--- a/02 - Midi/01 Midi introduction.pptx
+++ b/02 - Midi/01 Midi introduction.pptx
@@ -214,7 +214,7 @@
           <a:p>
             <a:fld id="{BE487CCF-3B53-4F90-977B-B099D72D42DC}" type="datetimeFigureOut">
               <a:rPr lang="en-GB" smtClean="0"/>
-              <a:t>19/07/2023</a:t>
+              <a:t>04/10/2023</a:t>
             </a:fld>
             <a:endParaRPr lang="en-GB"/>
           </a:p>
@@ -1437,7 +1437,7 @@
           <a:p>
             <a:fld id="{F8A5948D-6B6B-4AEB-B022-F2A9ADD6F77D}" type="datetimeFigureOut">
               <a:rPr lang="en-GB" smtClean="0"/>
-              <a:t>19/07/2023</a:t>
+              <a:t>04/10/2023</a:t>
             </a:fld>
             <a:endParaRPr lang="en-GB"/>
           </a:p>
@@ -1637,7 +1637,7 @@
           <a:p>
             <a:fld id="{F8A5948D-6B6B-4AEB-B022-F2A9ADD6F77D}" type="datetimeFigureOut">
               <a:rPr lang="en-GB" smtClean="0"/>
-              <a:t>19/07/2023</a:t>
+              <a:t>04/10/2023</a:t>
             </a:fld>
             <a:endParaRPr lang="en-GB"/>
           </a:p>
@@ -1847,7 +1847,7 @@
           <a:p>
             <a:fld id="{F8A5948D-6B6B-4AEB-B022-F2A9ADD6F77D}" type="datetimeFigureOut">
               <a:rPr lang="en-GB" smtClean="0"/>
-              <a:t>19/07/2023</a:t>
+              <a:t>04/10/2023</a:t>
             </a:fld>
             <a:endParaRPr lang="en-GB"/>
           </a:p>
@@ -2052,7 +2052,7 @@
           <a:p>
             <a:fld id="{F8A5948D-6B6B-4AEB-B022-F2A9ADD6F77D}" type="datetimeFigureOut">
               <a:rPr lang="en-GB" smtClean="0"/>
-              <a:t>19/07/2023</a:t>
+              <a:t>04/10/2023</a:t>
             </a:fld>
             <a:endParaRPr lang="en-GB"/>
           </a:p>
@@ -2328,7 +2328,7 @@
           <a:p>
             <a:fld id="{F8A5948D-6B6B-4AEB-B022-F2A9ADD6F77D}" type="datetimeFigureOut">
               <a:rPr lang="en-GB" smtClean="0"/>
-              <a:t>19/07/2023</a:t>
+              <a:t>04/10/2023</a:t>
             </a:fld>
             <a:endParaRPr lang="en-GB"/>
           </a:p>
@@ -2596,7 +2596,7 @@
           <a:p>
             <a:fld id="{F8A5948D-6B6B-4AEB-B022-F2A9ADD6F77D}" type="datetimeFigureOut">
               <a:rPr lang="en-GB" smtClean="0"/>
-              <a:t>19/07/2023</a:t>
+              <a:t>04/10/2023</a:t>
             </a:fld>
             <a:endParaRPr lang="en-GB"/>
           </a:p>
@@ -3011,7 +3011,7 @@
           <a:p>
             <a:fld id="{F8A5948D-6B6B-4AEB-B022-F2A9ADD6F77D}" type="datetimeFigureOut">
               <a:rPr lang="en-GB" smtClean="0"/>
-              <a:t>19/07/2023</a:t>
+              <a:t>04/10/2023</a:t>
             </a:fld>
             <a:endParaRPr lang="en-GB"/>
           </a:p>
@@ -3153,7 +3153,7 @@
           <a:p>
             <a:fld id="{F8A5948D-6B6B-4AEB-B022-F2A9ADD6F77D}" type="datetimeFigureOut">
               <a:rPr lang="en-GB" smtClean="0"/>
-              <a:t>19/07/2023</a:t>
+              <a:t>04/10/2023</a:t>
             </a:fld>
             <a:endParaRPr lang="en-GB"/>
           </a:p>
@@ -3266,7 +3266,7 @@
           <a:p>
             <a:fld id="{F8A5948D-6B6B-4AEB-B022-F2A9ADD6F77D}" type="datetimeFigureOut">
               <a:rPr lang="en-GB" smtClean="0"/>
-              <a:t>19/07/2023</a:t>
+              <a:t>04/10/2023</a:t>
             </a:fld>
             <a:endParaRPr lang="en-GB"/>
           </a:p>
@@ -3579,7 +3579,7 @@
           <a:p>
             <a:fld id="{F8A5948D-6B6B-4AEB-B022-F2A9ADD6F77D}" type="datetimeFigureOut">
               <a:rPr lang="en-GB" smtClean="0"/>
-              <a:t>19/07/2023</a:t>
+              <a:t>04/10/2023</a:t>
             </a:fld>
             <a:endParaRPr lang="en-GB"/>
           </a:p>
@@ -3868,7 +3868,7 @@
           <a:p>
             <a:fld id="{F8A5948D-6B6B-4AEB-B022-F2A9ADD6F77D}" type="datetimeFigureOut">
               <a:rPr lang="en-GB" smtClean="0"/>
-              <a:t>19/07/2023</a:t>
+              <a:t>04/10/2023</a:t>
             </a:fld>
             <a:endParaRPr lang="en-GB"/>
           </a:p>
@@ -4111,7 +4111,7 @@
           <a:p>
             <a:fld id="{F8A5948D-6B6B-4AEB-B022-F2A9ADD6F77D}" type="datetimeFigureOut">
               <a:rPr lang="en-GB" smtClean="0"/>
-              <a:t>19/07/2023</a:t>
+              <a:t>04/10/2023</a:t>
             </a:fld>
             <a:endParaRPr lang="en-GB"/>
           </a:p>
@@ -4730,7 +4730,7 @@
         <p:spPr>
           <a:xfrm>
             <a:off x="0" y="2205572"/>
-            <a:ext cx="6963032" cy="4317079"/>
+            <a:ext cx="6963032" cy="3929281"/>
           </a:xfrm>
           <a:prstGeom prst="rect">
             <a:avLst/>
@@ -4760,7 +4760,7 @@
                   <a:prstClr val="black"/>
                 </a:solidFill>
               </a:rPr>
-              <a:t>Consider system where one Midi device controls (sends Midi information) two receiving Midi devices </a:t>
+              <a:t>Suppose one Midi device controls (sends Midi information) two receiving devices </a:t>
             </a:r>
           </a:p>
           <a:p>
@@ -5637,7 +5637,7 @@
             </a:pPr>
             <a:r>
               <a:rPr lang="en-GB" dirty="0"/>
-              <a:t>In the example, </a:t>
+              <a:t>In example, </a:t>
             </a:r>
           </a:p>
           <a:p>
@@ -5693,8 +5693,13 @@
             </a:pPr>
             <a:r>
               <a:rPr lang="en-GB" dirty="0"/>
-              <a:t>Midi song would essentially be stored as a series of Midi tracks in a Midi sequencer.</a:t>
-            </a:r>
+              <a:t>Midi song would essentially be stored as a series of Midi tracks in a </a:t>
+            </a:r>
+            <a:r>
+              <a:rPr lang="en-GB"/>
+              <a:t>Midi sequencer</a:t>
+            </a:r>
+            <a:endParaRPr lang="en-GB" dirty="0"/>
           </a:p>
           <a:p>
             <a:pPr>
@@ -5707,13 +5712,8 @@
             </a:pPr>
             <a:r>
               <a:rPr lang="en-GB" dirty="0"/>
-              <a:t>Similar to audio tracks, but information in Midi track is just set of </a:t>
-            </a:r>
-            <a:r>
-              <a:rPr lang="en-GB"/>
-              <a:t>Midi instructions</a:t>
-            </a:r>
-            <a:endParaRPr lang="en-GB" dirty="0"/>
+              <a:t>Similar to audio tracks, but information in Midi track is just set of Midi instructions</a:t>
+            </a:r>
           </a:p>
         </p:txBody>
       </p:sp>
@@ -5979,7 +5979,7 @@
         </p:spPr>
         <p:txBody>
           <a:bodyPr>
-            <a:normAutofit fontScale="90000"/>
+            <a:normAutofit/>
           </a:bodyPr>
           <a:lstStyle/>
           <a:p>
@@ -6010,7 +6010,7 @@
         </p:spPr>
         <p:txBody>
           <a:bodyPr>
-            <a:normAutofit lnSpcReduction="10000"/>
+            <a:normAutofit/>
           </a:bodyPr>
           <a:lstStyle/>
           <a:p>
@@ -7183,6 +7183,7 @@
           <a:bodyPr/>
           <a:lstStyle/>
           <a:p>
+            <a:pPr algn="ctr"/>
             <a:r>
               <a:rPr lang="en-GB" dirty="0"/>
               <a:t>Midi messages</a:t>
@@ -7208,13 +7209,13 @@
         </p:nvSpPr>
         <p:spPr>
           <a:xfrm>
-            <a:off x="527901" y="1060516"/>
-            <a:ext cx="11529420" cy="5723056"/>
+            <a:off x="171796" y="842356"/>
+            <a:ext cx="11885525" cy="5941216"/>
           </a:xfrm>
         </p:spPr>
         <p:txBody>
           <a:bodyPr>
-            <a:normAutofit fontScale="92500" lnSpcReduction="10000"/>
+            <a:normAutofit lnSpcReduction="10000"/>
           </a:bodyPr>
           <a:lstStyle/>
           <a:p>
@@ -7228,7 +7229,7 @@
             </a:pPr>
             <a:r>
               <a:rPr lang="en-GB" sz="2700" dirty="0"/>
-              <a:t>Midi messages used to communicate with midi devices</a:t>
+              <a:t>Used to communicate with midi devices</a:t>
             </a:r>
           </a:p>
           <a:p>
@@ -7242,7 +7243,7 @@
             </a:pPr>
             <a:r>
               <a:rPr lang="en-GB" dirty="0"/>
-              <a:t>these messages travel between devices on Midi channels.</a:t>
+              <a:t>Midi messages travel between devices on Midi channels</a:t>
             </a:r>
           </a:p>
           <a:p>
@@ -7256,7 +7257,31 @@
             </a:pPr>
             <a:r>
               <a:rPr lang="en-GB" dirty="0"/>
-              <a:t>carry specific instructions &amp; data intended for device at receiving end of channel</a:t>
+              <a:t>carry small instructions &amp; data intended for device at end of channel</a:t>
+            </a:r>
+          </a:p>
+          <a:p>
+            <a:pPr>
+              <a:lnSpc>
+                <a:spcPct val="110000"/>
+              </a:lnSpc>
+              <a:spcBef>
+                <a:spcPts val="400"/>
+              </a:spcBef>
+            </a:pPr>
+            <a:r>
+              <a:rPr lang="en-GB" sz="2700" i="1" dirty="0">
+                <a:solidFill>
+                  <a:schemeClr val="accent5">
+                    <a:lumMod val="50000"/>
+                  </a:schemeClr>
+                </a:solidFill>
+              </a:rPr>
+              <a:t>voice information </a:t>
+            </a:r>
+            <a:r>
+              <a:rPr lang="en-GB" sz="2700" dirty="0"/>
+              <a:t>carries performance data, such as </a:t>
             </a:r>
           </a:p>
           <a:p>
@@ -7270,7 +7295,35 @@
             </a:pPr>
             <a:r>
               <a:rPr lang="en-GB" dirty="0"/>
-              <a:t>Usually 2 to 3 bytes of information in each message</a:t>
+              <a:t>what notes to play</a:t>
+            </a:r>
+          </a:p>
+          <a:p>
+            <a:pPr lvl="1">
+              <a:lnSpc>
+                <a:spcPct val="110000"/>
+              </a:lnSpc>
+              <a:spcBef>
+                <a:spcPts val="400"/>
+              </a:spcBef>
+            </a:pPr>
+            <a:r>
+              <a:rPr lang="en-GB" dirty="0"/>
+              <a:t>how long to hold them</a:t>
+            </a:r>
+          </a:p>
+          <a:p>
+            <a:pPr lvl="1">
+              <a:lnSpc>
+                <a:spcPct val="110000"/>
+              </a:lnSpc>
+              <a:spcBef>
+                <a:spcPts val="400"/>
+              </a:spcBef>
+            </a:pPr>
+            <a:r>
+              <a:rPr lang="en-GB" dirty="0"/>
+              <a:t>how hard to press keys</a:t>
             </a:r>
           </a:p>
           <a:p>
@@ -7283,8 +7336,18 @@
               </a:spcBef>
             </a:pPr>
             <a:r>
+              <a:rPr lang="en-GB" sz="2700" i="1" dirty="0">
+                <a:solidFill>
+                  <a:schemeClr val="accent5">
+                    <a:lumMod val="50000"/>
+                  </a:schemeClr>
+                </a:solidFill>
+              </a:rPr>
+              <a:t>mode information </a:t>
+            </a:r>
+            <a:r>
               <a:rPr lang="en-GB" sz="2700" dirty="0"/>
-              <a:t>Midi voice information carries performance data, such as </a:t>
+              <a:t>carries instructions on how receiving device should use performance data that it receives, LIKE</a:t>
             </a:r>
           </a:p>
           <a:p>
@@ -7298,7 +7361,7 @@
             </a:pPr>
             <a:r>
               <a:rPr lang="en-GB" dirty="0"/>
-              <a:t>which notes to play</a:t>
+              <a:t>whether to respond to data on any channel or only single channel</a:t>
             </a:r>
           </a:p>
           <a:p>
@@ -7312,21 +7375,7 @@
             </a:pPr>
             <a:r>
               <a:rPr lang="en-GB" dirty="0"/>
-              <a:t>how long to hold them</a:t>
-            </a:r>
-          </a:p>
-          <a:p>
-            <a:pPr lvl="1">
-              <a:lnSpc>
-                <a:spcPct val="110000"/>
-              </a:lnSpc>
-              <a:spcBef>
-                <a:spcPts val="400"/>
-              </a:spcBef>
-            </a:pPr>
-            <a:r>
-              <a:rPr lang="en-GB" dirty="0"/>
-              <a:t>how hard to press keys</a:t>
+              <a:t>whether to play polyphonic (several notes at a time) notes</a:t>
             </a:r>
           </a:p>
           <a:p>
@@ -7339,50 +7388,18 @@
               </a:spcBef>
             </a:pPr>
             <a:r>
+              <a:rPr lang="en-GB" sz="2700" i="1" dirty="0">
+                <a:solidFill>
+                  <a:schemeClr val="accent5">
+                    <a:lumMod val="50000"/>
+                  </a:schemeClr>
+                </a:solidFill>
+              </a:rPr>
+              <a:t>system-specific information </a:t>
+            </a:r>
+            <a:r>
               <a:rPr lang="en-GB" sz="2700" dirty="0"/>
-              <a:t>Midi mode information carries instructions on how receiving device should use performance data that’s being received by it, such as</a:t>
-            </a:r>
-          </a:p>
-          <a:p>
-            <a:pPr lvl="1">
-              <a:lnSpc>
-                <a:spcPct val="110000"/>
-              </a:lnSpc>
-              <a:spcBef>
-                <a:spcPts val="400"/>
-              </a:spcBef>
-            </a:pPr>
-            <a:r>
-              <a:rPr lang="en-GB" dirty="0"/>
-              <a:t>whether to respond to data on any channel or only single channel</a:t>
-            </a:r>
-          </a:p>
-          <a:p>
-            <a:pPr lvl="1">
-              <a:lnSpc>
-                <a:spcPct val="110000"/>
-              </a:lnSpc>
-              <a:spcBef>
-                <a:spcPts val="400"/>
-              </a:spcBef>
-            </a:pPr>
-            <a:r>
-              <a:rPr lang="en-GB" dirty="0"/>
-              <a:t>whether to play polyphonic (several notes at a time) notes</a:t>
-            </a:r>
-          </a:p>
-          <a:p>
-            <a:pPr>
-              <a:lnSpc>
-                <a:spcPct val="110000"/>
-              </a:lnSpc>
-              <a:spcBef>
-                <a:spcPts val="400"/>
-              </a:spcBef>
-            </a:pPr>
-            <a:r>
-              <a:rPr lang="en-GB" sz="2700" dirty="0"/>
-              <a:t>Midi system-specific information includes general system, synchronization, &amp; other system-related data</a:t>
+              <a:t>includes general system, synchronization &amp; other system-related data</a:t>
             </a:r>
           </a:p>
         </p:txBody>
@@ -7944,8 +7961,8 @@
         </p:nvSpPr>
         <p:spPr>
           <a:xfrm>
-            <a:off x="244549" y="1060516"/>
-            <a:ext cx="11812772" cy="5723056"/>
+            <a:off x="349135" y="1579418"/>
+            <a:ext cx="11708186" cy="5204154"/>
           </a:xfrm>
         </p:spPr>
         <p:txBody>
@@ -7992,7 +8009,7 @@
             </a:pPr>
             <a:r>
               <a:rPr lang="en-GB" sz="2700" dirty="0"/>
-              <a:t>A Midi command is a series of numbers which when received by device will cause it to do something</a:t>
+              <a:t>Midi command is series of numbers which when received by device will cause it to do something</a:t>
             </a:r>
           </a:p>
           <a:p>

--- a/02 - Midi/01 Midi introduction.pptx
+++ b/02 - Midi/01 Midi introduction.pptx
@@ -214,7 +214,7 @@
           <a:p>
             <a:fld id="{BE487CCF-3B53-4F90-977B-B099D72D42DC}" type="datetimeFigureOut">
               <a:rPr lang="en-GB" smtClean="0"/>
-              <a:t>04/10/2023</a:t>
+              <a:t>02/12/2023</a:t>
             </a:fld>
             <a:endParaRPr lang="en-GB"/>
           </a:p>
@@ -1437,7 +1437,7 @@
           <a:p>
             <a:fld id="{F8A5948D-6B6B-4AEB-B022-F2A9ADD6F77D}" type="datetimeFigureOut">
               <a:rPr lang="en-GB" smtClean="0"/>
-              <a:t>04/10/2023</a:t>
+              <a:t>02/12/2023</a:t>
             </a:fld>
             <a:endParaRPr lang="en-GB"/>
           </a:p>
@@ -1637,7 +1637,7 @@
           <a:p>
             <a:fld id="{F8A5948D-6B6B-4AEB-B022-F2A9ADD6F77D}" type="datetimeFigureOut">
               <a:rPr lang="en-GB" smtClean="0"/>
-              <a:t>04/10/2023</a:t>
+              <a:t>02/12/2023</a:t>
             </a:fld>
             <a:endParaRPr lang="en-GB"/>
           </a:p>
@@ -1847,7 +1847,7 @@
           <a:p>
             <a:fld id="{F8A5948D-6B6B-4AEB-B022-F2A9ADD6F77D}" type="datetimeFigureOut">
               <a:rPr lang="en-GB" smtClean="0"/>
-              <a:t>04/10/2023</a:t>
+              <a:t>02/12/2023</a:t>
             </a:fld>
             <a:endParaRPr lang="en-GB"/>
           </a:p>
@@ -2052,7 +2052,7 @@
           <a:p>
             <a:fld id="{F8A5948D-6B6B-4AEB-B022-F2A9ADD6F77D}" type="datetimeFigureOut">
               <a:rPr lang="en-GB" smtClean="0"/>
-              <a:t>04/10/2023</a:t>
+              <a:t>02/12/2023</a:t>
             </a:fld>
             <a:endParaRPr lang="en-GB"/>
           </a:p>
@@ -2328,7 +2328,7 @@
           <a:p>
             <a:fld id="{F8A5948D-6B6B-4AEB-B022-F2A9ADD6F77D}" type="datetimeFigureOut">
               <a:rPr lang="en-GB" smtClean="0"/>
-              <a:t>04/10/2023</a:t>
+              <a:t>02/12/2023</a:t>
             </a:fld>
             <a:endParaRPr lang="en-GB"/>
           </a:p>
@@ -2596,7 +2596,7 @@
           <a:p>
             <a:fld id="{F8A5948D-6B6B-4AEB-B022-F2A9ADD6F77D}" type="datetimeFigureOut">
               <a:rPr lang="en-GB" smtClean="0"/>
-              <a:t>04/10/2023</a:t>
+              <a:t>02/12/2023</a:t>
             </a:fld>
             <a:endParaRPr lang="en-GB"/>
           </a:p>
@@ -3011,7 +3011,7 @@
           <a:p>
             <a:fld id="{F8A5948D-6B6B-4AEB-B022-F2A9ADD6F77D}" type="datetimeFigureOut">
               <a:rPr lang="en-GB" smtClean="0"/>
-              <a:t>04/10/2023</a:t>
+              <a:t>02/12/2023</a:t>
             </a:fld>
             <a:endParaRPr lang="en-GB"/>
           </a:p>
@@ -3153,7 +3153,7 @@
           <a:p>
             <a:fld id="{F8A5948D-6B6B-4AEB-B022-F2A9ADD6F77D}" type="datetimeFigureOut">
               <a:rPr lang="en-GB" smtClean="0"/>
-              <a:t>04/10/2023</a:t>
+              <a:t>02/12/2023</a:t>
             </a:fld>
             <a:endParaRPr lang="en-GB"/>
           </a:p>
@@ -3266,7 +3266,7 @@
           <a:p>
             <a:fld id="{F8A5948D-6B6B-4AEB-B022-F2A9ADD6F77D}" type="datetimeFigureOut">
               <a:rPr lang="en-GB" smtClean="0"/>
-              <a:t>04/10/2023</a:t>
+              <a:t>02/12/2023</a:t>
             </a:fld>
             <a:endParaRPr lang="en-GB"/>
           </a:p>
@@ -3579,7 +3579,7 @@
           <a:p>
             <a:fld id="{F8A5948D-6B6B-4AEB-B022-F2A9ADD6F77D}" type="datetimeFigureOut">
               <a:rPr lang="en-GB" smtClean="0"/>
-              <a:t>04/10/2023</a:t>
+              <a:t>02/12/2023</a:t>
             </a:fld>
             <a:endParaRPr lang="en-GB"/>
           </a:p>
@@ -3868,7 +3868,7 @@
           <a:p>
             <a:fld id="{F8A5948D-6B6B-4AEB-B022-F2A9ADD6F77D}" type="datetimeFigureOut">
               <a:rPr lang="en-GB" smtClean="0"/>
-              <a:t>04/10/2023</a:t>
+              <a:t>02/12/2023</a:t>
             </a:fld>
             <a:endParaRPr lang="en-GB"/>
           </a:p>
@@ -4111,7 +4111,7 @@
           <a:p>
             <a:fld id="{F8A5948D-6B6B-4AEB-B022-F2A9ADD6F77D}" type="datetimeFigureOut">
               <a:rPr lang="en-GB" smtClean="0"/>
-              <a:t>04/10/2023</a:t>
+              <a:t>02/12/2023</a:t>
             </a:fld>
             <a:endParaRPr lang="en-GB"/>
           </a:p>
@@ -5609,7 +5609,7 @@
         </p:spPr>
         <p:txBody>
           <a:bodyPr>
-            <a:normAutofit lnSpcReduction="10000"/>
+            <a:normAutofit/>
           </a:bodyPr>
           <a:lstStyle/>
           <a:p>
@@ -5623,7 +5623,15 @@
             </a:pPr>
             <a:r>
               <a:rPr lang="en-GB" dirty="0"/>
-              <a:t>Midi tracks refer to Midi sequencing data that contains Midi information about the notes, chords, melodies, drum beats (in Midi format), etc to be played</a:t>
+              <a:t>Midi tracks refer to Midi sequencing data containing Midi information </a:t>
+            </a:r>
+            <a:r>
+              <a:rPr lang="en-GB"/>
+              <a:t>about notes</a:t>
+            </a:r>
+            <a:r>
+              <a:rPr lang="en-GB" dirty="0"/>
+              <a:t>, chords, melodies, drum beats (in Midi format), etc to be played</a:t>
             </a:r>
           </a:p>
           <a:p>
@@ -5693,13 +5701,8 @@
             </a:pPr>
             <a:r>
               <a:rPr lang="en-GB" dirty="0"/>
-              <a:t>Midi song would essentially be stored as a series of Midi tracks in a </a:t>
-            </a:r>
-            <a:r>
-              <a:rPr lang="en-GB"/>
-              <a:t>Midi sequencer</a:t>
-            </a:r>
-            <a:endParaRPr lang="en-GB" dirty="0"/>
+              <a:t>Midi song would essentially be stored as a series of Midi tracks in a Midi sequencer</a:t>
+            </a:r>
           </a:p>
           <a:p>
             <a:pPr>

--- a/02 - Midi/01 Midi introduction.pptx
+++ b/02 - Midi/01 Midi introduction.pptx
@@ -214,7 +214,7 @@
           <a:p>
             <a:fld id="{BE487CCF-3B53-4F90-977B-B099D72D42DC}" type="datetimeFigureOut">
               <a:rPr lang="en-GB" smtClean="0"/>
-              <a:t>02/12/2023</a:t>
+              <a:t>29/01/2024</a:t>
             </a:fld>
             <a:endParaRPr lang="en-GB"/>
           </a:p>
@@ -1437,7 +1437,7 @@
           <a:p>
             <a:fld id="{F8A5948D-6B6B-4AEB-B022-F2A9ADD6F77D}" type="datetimeFigureOut">
               <a:rPr lang="en-GB" smtClean="0"/>
-              <a:t>02/12/2023</a:t>
+              <a:t>29/01/2024</a:t>
             </a:fld>
             <a:endParaRPr lang="en-GB"/>
           </a:p>
@@ -1637,7 +1637,7 @@
           <a:p>
             <a:fld id="{F8A5948D-6B6B-4AEB-B022-F2A9ADD6F77D}" type="datetimeFigureOut">
               <a:rPr lang="en-GB" smtClean="0"/>
-              <a:t>02/12/2023</a:t>
+              <a:t>29/01/2024</a:t>
             </a:fld>
             <a:endParaRPr lang="en-GB"/>
           </a:p>
@@ -1847,7 +1847,7 @@
           <a:p>
             <a:fld id="{F8A5948D-6B6B-4AEB-B022-F2A9ADD6F77D}" type="datetimeFigureOut">
               <a:rPr lang="en-GB" smtClean="0"/>
-              <a:t>02/12/2023</a:t>
+              <a:t>29/01/2024</a:t>
             </a:fld>
             <a:endParaRPr lang="en-GB"/>
           </a:p>
@@ -2052,7 +2052,7 @@
           <a:p>
             <a:fld id="{F8A5948D-6B6B-4AEB-B022-F2A9ADD6F77D}" type="datetimeFigureOut">
               <a:rPr lang="en-GB" smtClean="0"/>
-              <a:t>02/12/2023</a:t>
+              <a:t>29/01/2024</a:t>
             </a:fld>
             <a:endParaRPr lang="en-GB"/>
           </a:p>
@@ -2328,7 +2328,7 @@
           <a:p>
             <a:fld id="{F8A5948D-6B6B-4AEB-B022-F2A9ADD6F77D}" type="datetimeFigureOut">
               <a:rPr lang="en-GB" smtClean="0"/>
-              <a:t>02/12/2023</a:t>
+              <a:t>29/01/2024</a:t>
             </a:fld>
             <a:endParaRPr lang="en-GB"/>
           </a:p>
@@ -2596,7 +2596,7 @@
           <a:p>
             <a:fld id="{F8A5948D-6B6B-4AEB-B022-F2A9ADD6F77D}" type="datetimeFigureOut">
               <a:rPr lang="en-GB" smtClean="0"/>
-              <a:t>02/12/2023</a:t>
+              <a:t>29/01/2024</a:t>
             </a:fld>
             <a:endParaRPr lang="en-GB"/>
           </a:p>
@@ -3011,7 +3011,7 @@
           <a:p>
             <a:fld id="{F8A5948D-6B6B-4AEB-B022-F2A9ADD6F77D}" type="datetimeFigureOut">
               <a:rPr lang="en-GB" smtClean="0"/>
-              <a:t>02/12/2023</a:t>
+              <a:t>29/01/2024</a:t>
             </a:fld>
             <a:endParaRPr lang="en-GB"/>
           </a:p>
@@ -3153,7 +3153,7 @@
           <a:p>
             <a:fld id="{F8A5948D-6B6B-4AEB-B022-F2A9ADD6F77D}" type="datetimeFigureOut">
               <a:rPr lang="en-GB" smtClean="0"/>
-              <a:t>02/12/2023</a:t>
+              <a:t>29/01/2024</a:t>
             </a:fld>
             <a:endParaRPr lang="en-GB"/>
           </a:p>
@@ -3266,7 +3266,7 @@
           <a:p>
             <a:fld id="{F8A5948D-6B6B-4AEB-B022-F2A9ADD6F77D}" type="datetimeFigureOut">
               <a:rPr lang="en-GB" smtClean="0"/>
-              <a:t>02/12/2023</a:t>
+              <a:t>29/01/2024</a:t>
             </a:fld>
             <a:endParaRPr lang="en-GB"/>
           </a:p>
@@ -3579,7 +3579,7 @@
           <a:p>
             <a:fld id="{F8A5948D-6B6B-4AEB-B022-F2A9ADD6F77D}" type="datetimeFigureOut">
               <a:rPr lang="en-GB" smtClean="0"/>
-              <a:t>02/12/2023</a:t>
+              <a:t>29/01/2024</a:t>
             </a:fld>
             <a:endParaRPr lang="en-GB"/>
           </a:p>
@@ -3868,7 +3868,7 @@
           <a:p>
             <a:fld id="{F8A5948D-6B6B-4AEB-B022-F2A9ADD6F77D}" type="datetimeFigureOut">
               <a:rPr lang="en-GB" smtClean="0"/>
-              <a:t>02/12/2023</a:t>
+              <a:t>29/01/2024</a:t>
             </a:fld>
             <a:endParaRPr lang="en-GB"/>
           </a:p>
@@ -4111,7 +4111,7 @@
           <a:p>
             <a:fld id="{F8A5948D-6B6B-4AEB-B022-F2A9ADD6F77D}" type="datetimeFigureOut">
               <a:rPr lang="en-GB" smtClean="0"/>
-              <a:t>02/12/2023</a:t>
+              <a:t>29/01/2024</a:t>
             </a:fld>
             <a:endParaRPr lang="en-GB"/>
           </a:p>
@@ -4669,7 +4669,7 @@
           <a:p>
             <a:r>
               <a:rPr lang="en-GB" dirty="0"/>
-              <a:t>Can send Midi performance data to many devices, and specify which device receives what type of data</a:t>
+              <a:t>Can send Midi performance data to many devices &amp; specify which device receives what type of data</a:t>
             </a:r>
           </a:p>
           <a:p>
@@ -4760,7 +4760,7 @@
                   <a:prstClr val="black"/>
                 </a:solidFill>
               </a:rPr>
-              <a:t>Suppose one Midi device controls (sends Midi information) two receiving devices </a:t>
+              <a:t>Suppose Midi device controls (sends Midi information) two receiving devices </a:t>
             </a:r>
           </a:p>
           <a:p>
@@ -6321,8 +6321,8 @@
         </p:nvSpPr>
         <p:spPr>
           <a:xfrm>
-            <a:off x="685800" y="1951832"/>
-            <a:ext cx="4495800" cy="1569660"/>
+            <a:off x="470396" y="2028458"/>
+            <a:ext cx="4088407" cy="1569660"/>
           </a:xfrm>
           <a:prstGeom prst="rect">
             <a:avLst/>
@@ -6361,7 +6361,7 @@
                   <a:prstClr val="black"/>
                 </a:solidFill>
               </a:rPr>
-              <a:t>represent music tracks as notes positioned in several channels, at discrete positions in time</a:t>
+              <a:t>represent music tracks as notes positioned in several channels, at discrete times</a:t>
             </a:r>
           </a:p>
         </p:txBody>
@@ -6596,8 +6596,8 @@
         </p:nvSpPr>
         <p:spPr>
           <a:xfrm>
-            <a:off x="990601" y="990600"/>
-            <a:ext cx="9318626" cy="5461670"/>
+            <a:off x="158360" y="990600"/>
+            <a:ext cx="10150867" cy="5461670"/>
           </a:xfrm>
           <a:ln/>
         </p:spPr>
@@ -6668,7 +6668,7 @@
             </a:br>
             <a:r>
               <a:rPr lang="en-US" sz="2400" dirty="0"/>
-              <a:t>communication protocol (since 1983)</a:t>
+              <a:t>communication protocol since 1983</a:t>
             </a:r>
           </a:p>
           <a:p>
@@ -6762,6 +6762,34 @@
               <a:rPr lang="en-US" sz="2400" dirty="0"/>
               <a:t>about a performance</a:t>
             </a:r>
+          </a:p>
+          <a:p>
+            <a:pPr marL="803561" lvl="1"/>
+            <a:r>
+              <a:rPr lang="en-US" dirty="0"/>
+              <a:t>Midi data rate is ~ 3.9 </a:t>
+            </a:r>
+            <a:r>
+              <a:rPr lang="en-US" dirty="0" err="1"/>
+              <a:t>kBps</a:t>
+            </a:r>
+            <a:endParaRPr lang="en-US" dirty="0"/>
+          </a:p>
+          <a:p>
+            <a:pPr marL="803561" lvl="1"/>
+            <a:r>
+              <a:rPr lang="en-US" dirty="0"/>
+              <a:t>Typical audio rate is ~ 180 </a:t>
+            </a:r>
+            <a:r>
+              <a:rPr lang="en-US" dirty="0" err="1"/>
+              <a:t>kBps</a:t>
+            </a:r>
+            <a:r>
+              <a:rPr lang="en-US" dirty="0"/>
+              <a:t> (2 channel, 16 bit, 44.1kHz)</a:t>
+            </a:r>
+            <a:endParaRPr lang="en-US" sz="2400" dirty="0"/>
           </a:p>
         </p:txBody>
       </p:sp>
@@ -7054,8 +7082,8 @@
         </p:nvSpPr>
         <p:spPr>
           <a:xfrm>
-            <a:off x="838199" y="1201479"/>
-            <a:ext cx="10985205" cy="4975484"/>
+            <a:off x="326936" y="1201479"/>
+            <a:ext cx="11698189" cy="4975484"/>
           </a:xfrm>
         </p:spPr>
         <p:txBody>
@@ -7074,7 +7102,7 @@
             </a:pPr>
             <a:r>
               <a:rPr lang="en-GB" dirty="0"/>
-              <a:t>Midi channels are independent paths over which communication can occur between Midi devices</a:t>
+              <a:t>Independent paths over which communication can occur between Midi devices</a:t>
             </a:r>
           </a:p>
           <a:p>
@@ -7130,7 +7158,7 @@
             </a:pPr>
             <a:r>
               <a:rPr lang="en-GB" dirty="0"/>
-              <a:t>Channel assignments allow Midi devices to be arranged in combinations so that each device responds only to information intended for it</a:t>
+              <a:t>Channel assignments allow Midi devices to be arranged in combinations so each device responds only to information intended for it</a:t>
             </a:r>
           </a:p>
         </p:txBody>
@@ -7264,13 +7292,15 @@
             </a:r>
           </a:p>
           <a:p>
-            <a:pPr>
+            <a:pPr marL="514350" indent="-514350">
               <a:lnSpc>
                 <a:spcPct val="110000"/>
               </a:lnSpc>
               <a:spcBef>
                 <a:spcPts val="400"/>
               </a:spcBef>
+              <a:buFont typeface="+mj-lt"/>
+              <a:buAutoNum type="arabicPeriod"/>
             </a:pPr>
             <a:r>
               <a:rPr lang="en-GB" sz="2700" i="1" dirty="0">
@@ -7280,11 +7310,11 @@
                   </a:schemeClr>
                 </a:solidFill>
               </a:rPr>
-              <a:t>voice information </a:t>
+              <a:t>voice information: </a:t>
             </a:r>
             <a:r>
               <a:rPr lang="en-GB" sz="2700" dirty="0"/>
-              <a:t>carries performance data, such as </a:t>
+              <a:t>performance data, such as </a:t>
             </a:r>
           </a:p>
           <a:p>
@@ -7330,13 +7360,15 @@
             </a:r>
           </a:p>
           <a:p>
-            <a:pPr>
+            <a:pPr marL="514350" indent="-514350">
               <a:lnSpc>
                 <a:spcPct val="110000"/>
               </a:lnSpc>
               <a:spcBef>
                 <a:spcPts val="400"/>
               </a:spcBef>
+              <a:buFont typeface="+mj-lt"/>
+              <a:buAutoNum type="arabicPeriod"/>
             </a:pPr>
             <a:r>
               <a:rPr lang="en-GB" sz="2700" i="1" dirty="0">
@@ -7346,11 +7378,11 @@
                   </a:schemeClr>
                 </a:solidFill>
               </a:rPr>
-              <a:t>mode information </a:t>
+              <a:t>mode information: </a:t>
             </a:r>
             <a:r>
               <a:rPr lang="en-GB" sz="2700" dirty="0"/>
-              <a:t>carries instructions on how receiving device should use performance data that it receives, LIKE</a:t>
+              <a:t>instructions on how receiving device should use performance data that it receives, LIKE</a:t>
             </a:r>
           </a:p>
           <a:p>
@@ -7382,13 +7414,15 @@
             </a:r>
           </a:p>
           <a:p>
-            <a:pPr>
+            <a:pPr marL="514350" indent="-514350">
               <a:lnSpc>
                 <a:spcPct val="110000"/>
               </a:lnSpc>
               <a:spcBef>
                 <a:spcPts val="400"/>
               </a:spcBef>
+              <a:buFont typeface="+mj-lt"/>
+              <a:buAutoNum type="arabicPeriod"/>
             </a:pPr>
             <a:r>
               <a:rPr lang="en-GB" sz="2700" i="1" dirty="0">
@@ -7398,11 +7432,11 @@
                   </a:schemeClr>
                 </a:solidFill>
               </a:rPr>
-              <a:t>system-specific information </a:t>
+              <a:t>system-specific information:</a:t>
             </a:r>
             <a:r>
               <a:rPr lang="en-GB" sz="2700" dirty="0"/>
-              <a:t>includes general system, synchronization &amp; other system-related data</a:t>
+              <a:t> general system, synchronization &amp; other system-related data</a:t>
             </a:r>
           </a:p>
         </p:txBody>
